--- a/Docker and Containerization.pptx
+++ b/Docker and Containerization.pptx
@@ -272,7 +272,7 @@
           <a:p>
             <a:fld id="{39DCFB76-F937-4D9D-90A5-14771287C504}" type="datetimeFigureOut">
               <a:rPr lang="en-IN" smtClean="0"/>
-              <a:t>30-04-2023</a:t>
+              <a:t>10-08-2023</a:t>
             </a:fld>
             <a:endParaRPr lang="en-IN"/>
           </a:p>
@@ -472,7 +472,7 @@
           <a:p>
             <a:fld id="{39DCFB76-F937-4D9D-90A5-14771287C504}" type="datetimeFigureOut">
               <a:rPr lang="en-IN" smtClean="0"/>
-              <a:t>30-04-2023</a:t>
+              <a:t>10-08-2023</a:t>
             </a:fld>
             <a:endParaRPr lang="en-IN"/>
           </a:p>
@@ -682,7 +682,7 @@
           <a:p>
             <a:fld id="{39DCFB76-F937-4D9D-90A5-14771287C504}" type="datetimeFigureOut">
               <a:rPr lang="en-IN" smtClean="0"/>
-              <a:t>30-04-2023</a:t>
+              <a:t>10-08-2023</a:t>
             </a:fld>
             <a:endParaRPr lang="en-IN"/>
           </a:p>
@@ -882,7 +882,7 @@
           <a:p>
             <a:fld id="{39DCFB76-F937-4D9D-90A5-14771287C504}" type="datetimeFigureOut">
               <a:rPr lang="en-IN" smtClean="0"/>
-              <a:t>30-04-2023</a:t>
+              <a:t>10-08-2023</a:t>
             </a:fld>
             <a:endParaRPr lang="en-IN"/>
           </a:p>
@@ -1158,7 +1158,7 @@
           <a:p>
             <a:fld id="{39DCFB76-F937-4D9D-90A5-14771287C504}" type="datetimeFigureOut">
               <a:rPr lang="en-IN" smtClean="0"/>
-              <a:t>30-04-2023</a:t>
+              <a:t>10-08-2023</a:t>
             </a:fld>
             <a:endParaRPr lang="en-IN"/>
           </a:p>
@@ -1426,7 +1426,7 @@
           <a:p>
             <a:fld id="{39DCFB76-F937-4D9D-90A5-14771287C504}" type="datetimeFigureOut">
               <a:rPr lang="en-IN" smtClean="0"/>
-              <a:t>30-04-2023</a:t>
+              <a:t>10-08-2023</a:t>
             </a:fld>
             <a:endParaRPr lang="en-IN"/>
           </a:p>
@@ -1841,7 +1841,7 @@
           <a:p>
             <a:fld id="{39DCFB76-F937-4D9D-90A5-14771287C504}" type="datetimeFigureOut">
               <a:rPr lang="en-IN" smtClean="0"/>
-              <a:t>30-04-2023</a:t>
+              <a:t>10-08-2023</a:t>
             </a:fld>
             <a:endParaRPr lang="en-IN"/>
           </a:p>
@@ -1983,7 +1983,7 @@
           <a:p>
             <a:fld id="{39DCFB76-F937-4D9D-90A5-14771287C504}" type="datetimeFigureOut">
               <a:rPr lang="en-IN" smtClean="0"/>
-              <a:t>30-04-2023</a:t>
+              <a:t>10-08-2023</a:t>
             </a:fld>
             <a:endParaRPr lang="en-IN"/>
           </a:p>
@@ -2096,7 +2096,7 @@
           <a:p>
             <a:fld id="{39DCFB76-F937-4D9D-90A5-14771287C504}" type="datetimeFigureOut">
               <a:rPr lang="en-IN" smtClean="0"/>
-              <a:t>30-04-2023</a:t>
+              <a:t>10-08-2023</a:t>
             </a:fld>
             <a:endParaRPr lang="en-IN"/>
           </a:p>
@@ -2409,7 +2409,7 @@
           <a:p>
             <a:fld id="{39DCFB76-F937-4D9D-90A5-14771287C504}" type="datetimeFigureOut">
               <a:rPr lang="en-IN" smtClean="0"/>
-              <a:t>30-04-2023</a:t>
+              <a:t>10-08-2023</a:t>
             </a:fld>
             <a:endParaRPr lang="en-IN"/>
           </a:p>
@@ -2698,7 +2698,7 @@
           <a:p>
             <a:fld id="{39DCFB76-F937-4D9D-90A5-14771287C504}" type="datetimeFigureOut">
               <a:rPr lang="en-IN" smtClean="0"/>
-              <a:t>30-04-2023</a:t>
+              <a:t>10-08-2023</a:t>
             </a:fld>
             <a:endParaRPr lang="en-IN"/>
           </a:p>
@@ -2941,7 +2941,7 @@
           <a:p>
             <a:fld id="{39DCFB76-F937-4D9D-90A5-14771287C504}" type="datetimeFigureOut">
               <a:rPr lang="en-IN" smtClean="0"/>
-              <a:t>30-04-2023</a:t>
+              <a:t>10-08-2023</a:t>
             </a:fld>
             <a:endParaRPr lang="en-IN"/>
           </a:p>
@@ -3408,8 +3408,8 @@
           <a:lstStyle/>
           <a:p>
             <a:r>
-              <a:rPr lang="en-IN"/>
-              <a:t>Atul Kahate</a:t>
+              <a:rPr lang="en-IN" dirty="0"/>
+              <a:t>Pranay Shahare</a:t>
             </a:r>
           </a:p>
         </p:txBody>
@@ -3683,9 +3683,16 @@
             <p:ph type="title"/>
           </p:nvPr>
         </p:nvSpPr>
-        <p:spPr/>
-        <p:txBody>
-          <a:bodyPr/>
+        <p:spPr>
+          <a:xfrm>
+            <a:off x="838200" y="159852"/>
+            <a:ext cx="10515600" cy="684955"/>
+          </a:xfrm>
+        </p:spPr>
+        <p:txBody>
+          <a:bodyPr>
+            <a:normAutofit fontScale="90000"/>
+          </a:bodyPr>
           <a:lstStyle/>
           <a:p>
             <a:r>
@@ -3711,7 +3718,12 @@
             <p:ph idx="1"/>
           </p:nvPr>
         </p:nvSpPr>
-        <p:spPr/>
+        <p:spPr>
+          <a:xfrm>
+            <a:off x="1021447" y="1134056"/>
+            <a:ext cx="10515600" cy="4351338"/>
+          </a:xfrm>
+        </p:spPr>
         <p:txBody>
           <a:bodyPr>
             <a:normAutofit/>
@@ -3755,7 +3767,7 @@
         </p:blipFill>
         <p:spPr>
           <a:xfrm>
-            <a:off x="1142745" y="2494579"/>
+            <a:off x="1021447" y="1832106"/>
             <a:ext cx="9906509" cy="4457929"/>
           </a:xfrm>
           <a:prstGeom prst="rect">
@@ -3944,31 +3956,6 @@
           </a:p>
         </p:txBody>
       </p:sp>
-      <p:sp>
-        <p:nvSpPr>
-          <p:cNvPr id="3" name="Content Placeholder 2">
-            <a:extLst>
-              <a:ext uri="{FF2B5EF4-FFF2-40B4-BE49-F238E27FC236}">
-                <a16:creationId xmlns:a16="http://schemas.microsoft.com/office/drawing/2014/main" id="{D57A5CCE-77D8-1D67-3137-AC0D7B226AB8}"/>
-              </a:ext>
-            </a:extLst>
-          </p:cNvPr>
-          <p:cNvSpPr>
-            <a:spLocks noGrp="1"/>
-          </p:cNvSpPr>
-          <p:nvPr>
-            <p:ph idx="1"/>
-          </p:nvPr>
-        </p:nvSpPr>
-        <p:spPr/>
-        <p:txBody>
-          <a:bodyPr/>
-          <a:lstStyle/>
-          <a:p>
-            <a:endParaRPr lang="en-IN"/>
-          </a:p>
-        </p:txBody>
-      </p:sp>
       <p:pic>
         <p:nvPicPr>
           <p:cNvPr id="5" name="Picture 4">
@@ -4084,31 +4071,6 @@
               <a:rPr lang="en-IN" dirty="0"/>
               <a:t>Container Example</a:t>
             </a:r>
-          </a:p>
-        </p:txBody>
-      </p:sp>
-      <p:sp>
-        <p:nvSpPr>
-          <p:cNvPr id="5" name="Content Placeholder 4">
-            <a:extLst>
-              <a:ext uri="{FF2B5EF4-FFF2-40B4-BE49-F238E27FC236}">
-                <a16:creationId xmlns:a16="http://schemas.microsoft.com/office/drawing/2014/main" id="{F9B5083C-6E04-CCDD-D3A2-5437E7381853}"/>
-              </a:ext>
-            </a:extLst>
-          </p:cNvPr>
-          <p:cNvSpPr>
-            <a:spLocks noGrp="1"/>
-          </p:cNvSpPr>
-          <p:nvPr>
-            <p:ph idx="1"/>
-          </p:nvPr>
-        </p:nvSpPr>
-        <p:spPr/>
-        <p:txBody>
-          <a:bodyPr/>
-          <a:lstStyle/>
-          <a:p>
-            <a:endParaRPr lang="en-IN" dirty="0"/>
           </a:p>
         </p:txBody>
       </p:sp>
